--- a/Philosophy/the_basic_principle_of_marxism/国进民退现象分析/国进民退现象分析.pptx
+++ b/Philosophy/the_basic_principle_of_marxism/国进民退现象分析/国进民退现象分析.pptx
@@ -368,7 +368,7 @@
           <a:p>
             <a:fld id="{CB40D7C8-CBFB-46A0-BBBA-1D2279D3F723}" type="datetimeFigureOut">
               <a:rPr lang="zh-CN" altLang="en-US" smtClean="0"/>
-              <a:t>2017/6/4</a:t>
+              <a:t>2017/6/5</a:t>
             </a:fld>
             <a:endParaRPr lang="zh-CN" altLang="en-US"/>
           </a:p>
@@ -536,7 +536,7 @@
           <a:p>
             <a:fld id="{CB40D7C8-CBFB-46A0-BBBA-1D2279D3F723}" type="datetimeFigureOut">
               <a:rPr lang="zh-CN" altLang="en-US" smtClean="0"/>
-              <a:t>2017/6/4</a:t>
+              <a:t>2017/6/5</a:t>
             </a:fld>
             <a:endParaRPr lang="zh-CN" altLang="en-US"/>
           </a:p>
@@ -714,7 +714,7 @@
           <a:p>
             <a:fld id="{CB40D7C8-CBFB-46A0-BBBA-1D2279D3F723}" type="datetimeFigureOut">
               <a:rPr lang="zh-CN" altLang="en-US" smtClean="0"/>
-              <a:t>2017/6/4</a:t>
+              <a:t>2017/6/5</a:t>
             </a:fld>
             <a:endParaRPr lang="zh-CN" altLang="en-US"/>
           </a:p>
@@ -882,7 +882,7 @@
           <a:p>
             <a:fld id="{CB40D7C8-CBFB-46A0-BBBA-1D2279D3F723}" type="datetimeFigureOut">
               <a:rPr lang="zh-CN" altLang="en-US" smtClean="0"/>
-              <a:t>2017/6/4</a:t>
+              <a:t>2017/6/5</a:t>
             </a:fld>
             <a:endParaRPr lang="zh-CN" altLang="en-US"/>
           </a:p>
@@ -1127,7 +1127,7 @@
           <a:p>
             <a:fld id="{CB40D7C8-CBFB-46A0-BBBA-1D2279D3F723}" type="datetimeFigureOut">
               <a:rPr lang="zh-CN" altLang="en-US" smtClean="0"/>
-              <a:t>2017/6/4</a:t>
+              <a:t>2017/6/5</a:t>
             </a:fld>
             <a:endParaRPr lang="zh-CN" altLang="en-US"/>
           </a:p>
@@ -1356,7 +1356,7 @@
           <a:p>
             <a:fld id="{CB40D7C8-CBFB-46A0-BBBA-1D2279D3F723}" type="datetimeFigureOut">
               <a:rPr lang="zh-CN" altLang="en-US" smtClean="0"/>
-              <a:t>2017/6/4</a:t>
+              <a:t>2017/6/5</a:t>
             </a:fld>
             <a:endParaRPr lang="zh-CN" altLang="en-US"/>
           </a:p>
@@ -1720,7 +1720,7 @@
           <a:p>
             <a:fld id="{CB40D7C8-CBFB-46A0-BBBA-1D2279D3F723}" type="datetimeFigureOut">
               <a:rPr lang="zh-CN" altLang="en-US" smtClean="0"/>
-              <a:t>2017/6/4</a:t>
+              <a:t>2017/6/5</a:t>
             </a:fld>
             <a:endParaRPr lang="zh-CN" altLang="en-US"/>
           </a:p>
@@ -1837,7 +1837,7 @@
           <a:p>
             <a:fld id="{CB40D7C8-CBFB-46A0-BBBA-1D2279D3F723}" type="datetimeFigureOut">
               <a:rPr lang="zh-CN" altLang="en-US" smtClean="0"/>
-              <a:t>2017/6/4</a:t>
+              <a:t>2017/6/5</a:t>
             </a:fld>
             <a:endParaRPr lang="zh-CN" altLang="en-US"/>
           </a:p>
@@ -1932,7 +1932,7 @@
           <a:p>
             <a:fld id="{CB40D7C8-CBFB-46A0-BBBA-1D2279D3F723}" type="datetimeFigureOut">
               <a:rPr lang="zh-CN" altLang="en-US" smtClean="0"/>
-              <a:t>2017/6/4</a:t>
+              <a:t>2017/6/5</a:t>
             </a:fld>
             <a:endParaRPr lang="zh-CN" altLang="en-US"/>
           </a:p>
@@ -2207,7 +2207,7 @@
           <a:p>
             <a:fld id="{CB40D7C8-CBFB-46A0-BBBA-1D2279D3F723}" type="datetimeFigureOut">
               <a:rPr lang="zh-CN" altLang="en-US" smtClean="0"/>
-              <a:t>2017/6/4</a:t>
+              <a:t>2017/6/5</a:t>
             </a:fld>
             <a:endParaRPr lang="zh-CN" altLang="en-US"/>
           </a:p>
@@ -2459,7 +2459,7 @@
           <a:p>
             <a:fld id="{CB40D7C8-CBFB-46A0-BBBA-1D2279D3F723}" type="datetimeFigureOut">
               <a:rPr lang="zh-CN" altLang="en-US" smtClean="0"/>
-              <a:t>2017/6/4</a:t>
+              <a:t>2017/6/5</a:t>
             </a:fld>
             <a:endParaRPr lang="zh-CN" altLang="en-US"/>
           </a:p>
@@ -2670,7 +2670,7 @@
           <a:p>
             <a:fld id="{CB40D7C8-CBFB-46A0-BBBA-1D2279D3F723}" type="datetimeFigureOut">
               <a:rPr lang="zh-CN" altLang="en-US" smtClean="0"/>
-              <a:t>2017/6/4</a:t>
+              <a:t>2017/6/5</a:t>
             </a:fld>
             <a:endParaRPr lang="zh-CN" altLang="en-US"/>
           </a:p>
@@ -4360,7 +4360,7 @@
                   <a:schemeClr val="accent1"/>
                 </a:solidFill>
               </a:rPr>
-              <a:t>3.5 </a:t>
+              <a:t>3.6 </a:t>
             </a:r>
             <a:r>
               <a:rPr lang="zh-CN" altLang="en-US" sz="4000" dirty="0">
@@ -8943,7 +8943,7 @@
                   <a:schemeClr val="accent1"/>
                 </a:solidFill>
               </a:rPr>
-              <a:t>5.1 </a:t>
+              <a:t>5.2 </a:t>
             </a:r>
             <a:r>
               <a:rPr lang="zh-CN" altLang="en-US" dirty="0">
@@ -8966,7 +8966,7 @@
                   <a:schemeClr val="accent1"/>
                 </a:solidFill>
               </a:rPr>
-              <a:t>5.1.1 </a:t>
+              <a:t>5.2.1 </a:t>
             </a:r>
             <a:r>
               <a:rPr lang="zh-CN" altLang="en-US" sz="3600" dirty="0">
@@ -9380,7 +9380,7 @@
                   <a:schemeClr val="accent1"/>
                 </a:solidFill>
               </a:rPr>
-              <a:t>5.1 </a:t>
+              <a:t>5.2 </a:t>
             </a:r>
             <a:r>
               <a:rPr lang="zh-CN" altLang="en-US" dirty="0">
@@ -9403,7 +9403,7 @@
                   <a:schemeClr val="accent1"/>
                 </a:solidFill>
               </a:rPr>
-              <a:t>5.1.1 </a:t>
+              <a:t>5.2.2 </a:t>
             </a:r>
             <a:r>
               <a:rPr lang="zh-CN" altLang="en-US" sz="3600" dirty="0">
@@ -9923,7 +9923,7 @@
                   <a:schemeClr val="accent1"/>
                 </a:solidFill>
               </a:rPr>
-              <a:t>5.2 </a:t>
+              <a:t>5.3 </a:t>
             </a:r>
             <a:r>
               <a:rPr lang="zh-CN" altLang="en-US" sz="4000" dirty="0">
